--- a/Presention.pptx
+++ b/Presention.pptx
@@ -3553,9 +3553,9 @@
       </p:par>
     </p:tnLst>
     <p:bldLst>
-      <p:bldP build="whole" bldLvl="1" animBg="1" rev="0" advAuto="0" spid="107" grpId="3"/>
       <p:bldP build="whole" bldLvl="1" animBg="1" rev="0" advAuto="0" spid="106" grpId="1"/>
       <p:bldP build="whole" bldLvl="1" animBg="1" rev="0" advAuto="0" spid="106" grpId="2"/>
+      <p:bldP build="whole" bldLvl="1" animBg="1" rev="0" advAuto="0" spid="107" grpId="3"/>
       <p:bldP build="whole" bldLvl="1" animBg="1" rev="0" advAuto="0" spid="108" grpId="4"/>
     </p:bldLst>
   </p:timing>
@@ -3985,10 +3985,10 @@
       </p:par>
     </p:tnLst>
     <p:bldLst>
-      <p:bldP build="whole" bldLvl="1" animBg="1" rev="0" advAuto="0" spid="112" grpId="1"/>
       <p:bldP build="whole" bldLvl="1" animBg="1" rev="0" advAuto="0" spid="112" grpId="2"/>
       <p:bldP build="whole" bldLvl="1" animBg="1" rev="0" advAuto="0" spid="113" grpId="3"/>
       <p:bldP build="whole" bldLvl="1" animBg="1" rev="0" advAuto="0" spid="114" grpId="4"/>
+      <p:bldP build="whole" bldLvl="1" animBg="1" rev="0" advAuto="0" spid="112" grpId="1"/>
     </p:bldLst>
   </p:timing>
 </p:sld>
